--- a/قفل هوشمند.pptx
+++ b/قفل هوشمند.pptx
@@ -383,7 +383,7 @@
             <a:fld id="{B61BEF0D-F0BB-DE4B-95CE-6DB70DBA9567}" type="datetimeFigureOut">
               <a:rPr lang="en-US" dirty="0"/>
               <a:pPr/>
-              <a:t>12/25/2023</a:t>
+              <a:t>12/29/2023</a:t>
             </a:fld>
             <a:endParaRPr lang="en-US" dirty="0"/>
           </a:p>
@@ -642,7 +642,7 @@
             <a:fld id="{B61BEF0D-F0BB-DE4B-95CE-6DB70DBA9567}" type="datetimeFigureOut">
               <a:rPr lang="en-US" dirty="0"/>
               <a:pPr/>
-              <a:t>12/25/2023</a:t>
+              <a:t>12/29/2023</a:t>
             </a:fld>
             <a:endParaRPr lang="en-US" dirty="0"/>
           </a:p>
@@ -874,7 +874,7 @@
             <a:fld id="{B61BEF0D-F0BB-DE4B-95CE-6DB70DBA9567}" type="datetimeFigureOut">
               <a:rPr lang="en-US" dirty="0"/>
               <a:pPr/>
-              <a:t>12/25/2023</a:t>
+              <a:t>12/29/2023</a:t>
             </a:fld>
             <a:endParaRPr lang="en-US" dirty="0"/>
           </a:p>
@@ -1111,7 +1111,7 @@
             <a:fld id="{B61BEF0D-F0BB-DE4B-95CE-6DB70DBA9567}" type="datetimeFigureOut">
               <a:rPr lang="en-US" dirty="0"/>
               <a:pPr/>
-              <a:t>12/25/2023</a:t>
+              <a:t>12/29/2023</a:t>
             </a:fld>
             <a:endParaRPr lang="en-US" dirty="0"/>
           </a:p>
@@ -1415,7 +1415,7 @@
             <a:fld id="{B61BEF0D-F0BB-DE4B-95CE-6DB70DBA9567}" type="datetimeFigureOut">
               <a:rPr lang="en-US" dirty="0"/>
               <a:pPr/>
-              <a:t>12/25/2023</a:t>
+              <a:t>12/29/2023</a:t>
             </a:fld>
             <a:endParaRPr lang="en-US" dirty="0"/>
           </a:p>
@@ -1714,7 +1714,7 @@
             <a:fld id="{B61BEF0D-F0BB-DE4B-95CE-6DB70DBA9567}" type="datetimeFigureOut">
               <a:rPr lang="en-US" dirty="0"/>
               <a:pPr/>
-              <a:t>12/25/2023</a:t>
+              <a:t>12/29/2023</a:t>
             </a:fld>
             <a:endParaRPr lang="en-US" dirty="0"/>
           </a:p>
@@ -2133,7 +2133,7 @@
             <a:fld id="{B61BEF0D-F0BB-DE4B-95CE-6DB70DBA9567}" type="datetimeFigureOut">
               <a:rPr lang="en-US" dirty="0"/>
               <a:pPr/>
-              <a:t>12/25/2023</a:t>
+              <a:t>12/29/2023</a:t>
             </a:fld>
             <a:endParaRPr lang="en-US" dirty="0"/>
           </a:p>
@@ -2292,7 +2292,7 @@
             <a:fld id="{B61BEF0D-F0BB-DE4B-95CE-6DB70DBA9567}" type="datetimeFigureOut">
               <a:rPr lang="en-US" dirty="0"/>
               <a:pPr/>
-              <a:t>12/25/2023</a:t>
+              <a:t>12/29/2023</a:t>
             </a:fld>
             <a:endParaRPr lang="en-US" dirty="0"/>
           </a:p>
@@ -2384,7 +2384,7 @@
             <a:fld id="{B61BEF0D-F0BB-DE4B-95CE-6DB70DBA9567}" type="datetimeFigureOut">
               <a:rPr lang="en-US" dirty="0"/>
               <a:pPr/>
-              <a:t>12/25/2023</a:t>
+              <a:t>12/29/2023</a:t>
             </a:fld>
             <a:endParaRPr lang="en-US" dirty="0"/>
           </a:p>
@@ -2759,7 +2759,7 @@
             <a:fld id="{B61BEF0D-F0BB-DE4B-95CE-6DB70DBA9567}" type="datetimeFigureOut">
               <a:rPr lang="en-US" dirty="0"/>
               <a:pPr/>
-              <a:t>12/25/2023</a:t>
+              <a:t>12/29/2023</a:t>
             </a:fld>
             <a:endParaRPr lang="en-US" dirty="0"/>
           </a:p>
@@ -3045,7 +3045,7 @@
             <a:fld id="{B61BEF0D-F0BB-DE4B-95CE-6DB70DBA9567}" type="datetimeFigureOut">
               <a:rPr lang="en-US" dirty="0"/>
               <a:pPr/>
-              <a:t>12/25/2023</a:t>
+              <a:t>12/29/2023</a:t>
             </a:fld>
             <a:endParaRPr lang="en-US" dirty="0"/>
           </a:p>
@@ -3253,7 +3253,7 @@
             <a:fld id="{B61BEF0D-F0BB-DE4B-95CE-6DB70DBA9567}" type="datetimeFigureOut">
               <a:rPr lang="en-US" dirty="0"/>
               <a:pPr/>
-              <a:t>12/25/2023</a:t>
+              <a:t>12/29/2023</a:t>
             </a:fld>
             <a:endParaRPr lang="en-US" dirty="0"/>
           </a:p>
